--- a/프레젠테이션1.pptx
+++ b/프레젠테이션1.pptx
@@ -3377,7 +3377,7 @@
         </p:blipFill>
         <p:spPr>
           <a:xfrm>
-            <a:off x="7344227" y="-504372"/>
+            <a:off x="7131395" y="704685"/>
             <a:ext cx="4199557" cy="3933372"/>
           </a:xfrm>
           <a:prstGeom prst="rect">
@@ -3820,6 +3820,52 @@
           <a:xfrm rot="4500000">
             <a:off x="584552" y="3099963"/>
             <a:ext cx="1445570" cy="731520"/>
+          </a:xfrm>
+          <a:prstGeom prst="rect">
+            <a:avLst/>
+          </a:prstGeom>
+        </p:spPr>
+      </p:pic>
+      <p:pic>
+        <p:nvPicPr>
+          <p:cNvPr id="5" name="그림 4">
+            <a:extLst>
+              <a:ext uri="{FF2B5EF4-FFF2-40B4-BE49-F238E27FC236}">
+                <a16:creationId xmlns:a16="http://schemas.microsoft.com/office/drawing/2014/main" id="{74E3FC3A-B3C5-CDD6-A3F3-ECBC7D12457A}"/>
+              </a:ext>
+            </a:extLst>
+          </p:cNvPr>
+          <p:cNvPicPr>
+            <a:picLocks noChangeAspect="1"/>
+          </p:cNvPicPr>
+          <p:nvPr/>
+        </p:nvPicPr>
+        <p:blipFill>
+          <a:blip r:embed="rId10">
+            <a:extLst>
+              <a:ext uri="{BEBA8EAE-BF5A-486C-A8C5-ECC9F3942E4B}">
+                <a14:imgProps xmlns:a14="http://schemas.microsoft.com/office/drawing/2010/main">
+                  <a14:imgLayer r:embed="rId11">
+                    <a14:imgEffect>
+                      <a14:backgroundRemoval t="8302" b="89811" l="9524" r="89881">
+                        <a14:foregroundMark x1="33929" y1="33208" x2="33929" y2="33208"/>
+                        <a14:foregroundMark x1="26190" y1="76981" x2="26190" y2="76981"/>
+                        <a14:foregroundMark x1="66667" y1="8302" x2="66667" y2="8302"/>
+                      </a14:backgroundRemoval>
+                    </a14:imgEffect>
+                  </a14:imgLayer>
+                </a14:imgProps>
+              </a:ext>
+            </a:extLst>
+          </a:blip>
+          <a:stretch>
+            <a:fillRect/>
+          </a:stretch>
+        </p:blipFill>
+        <p:spPr>
+          <a:xfrm>
+            <a:off x="7791685" y="3295593"/>
+            <a:ext cx="1600423" cy="2524477"/>
           </a:xfrm>
           <a:prstGeom prst="rect">
             <a:avLst/>
